--- a/doc/tech/figures/artefacts/baraque_release.pptx
+++ b/doc/tech/figures/artefacts/baraque_release.pptx
@@ -236,7 +236,7 @@
           <a:p>
             <a:fld id="{F300692A-B8F2-48F6-B218-A4958D7E8758}" type="datetimeFigureOut">
               <a:rPr lang="en-US" smtClean="0"/>
-              <a:t>7/1/20</a:t>
+              <a:t>7/10/20</a:t>
             </a:fld>
             <a:endParaRPr lang="en-US"/>
           </a:p>
@@ -778,7 +778,7 @@
           <a:p>
             <a:fld id="{2B25DCB4-1894-45C1-AC80-BB1CC7AB7AF3}" type="datetimeFigureOut">
               <a:rPr lang="en-GB" smtClean="0"/>
-              <a:t>01/07/2020</a:t>
+              <a:t>10/07/2020</a:t>
             </a:fld>
             <a:endParaRPr lang="en-GB"/>
           </a:p>
@@ -1214,7 +1214,7 @@
           <a:p>
             <a:fld id="{2B25DCB4-1894-45C1-AC80-BB1CC7AB7AF3}" type="datetimeFigureOut">
               <a:rPr lang="en-GB" smtClean="0"/>
-              <a:t>01/07/2020</a:t>
+              <a:t>10/07/2020</a:t>
             </a:fld>
             <a:endParaRPr lang="en-GB"/>
           </a:p>
@@ -1464,7 +1464,7 @@
           <a:p>
             <a:fld id="{2B25DCB4-1894-45C1-AC80-BB1CC7AB7AF3}" type="datetimeFigureOut">
               <a:rPr lang="en-GB" smtClean="0"/>
-              <a:t>01/07/2020</a:t>
+              <a:t>10/07/2020</a:t>
             </a:fld>
             <a:endParaRPr lang="en-GB"/>
           </a:p>
@@ -1772,7 +1772,7 @@
           <a:p>
             <a:fld id="{2B25DCB4-1894-45C1-AC80-BB1CC7AB7AF3}" type="datetimeFigureOut">
               <a:rPr lang="en-GB" smtClean="0"/>
-              <a:t>01/07/2020</a:t>
+              <a:t>10/07/2020</a:t>
             </a:fld>
             <a:endParaRPr lang="en-GB"/>
           </a:p>
@@ -2090,7 +2090,7 @@
           <a:p>
             <a:fld id="{2B25DCB4-1894-45C1-AC80-BB1CC7AB7AF3}" type="datetimeFigureOut">
               <a:rPr lang="en-GB" smtClean="0"/>
-              <a:t>01/07/2020</a:t>
+              <a:t>10/07/2020</a:t>
             </a:fld>
             <a:endParaRPr lang="en-GB"/>
           </a:p>
@@ -2392,7 +2392,7 @@
           <a:p>
             <a:fld id="{2B25DCB4-1894-45C1-AC80-BB1CC7AB7AF3}" type="datetimeFigureOut">
               <a:rPr lang="en-GB" smtClean="0"/>
-              <a:t>01/07/2020</a:t>
+              <a:t>10/07/2020</a:t>
             </a:fld>
             <a:endParaRPr lang="en-GB"/>
           </a:p>
@@ -2759,7 +2759,7 @@
           <a:p>
             <a:fld id="{2B25DCB4-1894-45C1-AC80-BB1CC7AB7AF3}" type="datetimeFigureOut">
               <a:rPr lang="en-GB" smtClean="0"/>
-              <a:t>01/07/2020</a:t>
+              <a:t>10/07/2020</a:t>
             </a:fld>
             <a:endParaRPr lang="en-GB"/>
           </a:p>
@@ -2933,7 +2933,7 @@
           <a:p>
             <a:fld id="{2B25DCB4-1894-45C1-AC80-BB1CC7AB7AF3}" type="datetimeFigureOut">
               <a:rPr lang="en-GB" smtClean="0"/>
-              <a:t>01/07/2020</a:t>
+              <a:t>10/07/2020</a:t>
             </a:fld>
             <a:endParaRPr lang="en-GB"/>
           </a:p>
@@ -3113,7 +3113,7 @@
           <a:p>
             <a:fld id="{2B25DCB4-1894-45C1-AC80-BB1CC7AB7AF3}" type="datetimeFigureOut">
               <a:rPr lang="en-GB" smtClean="0"/>
-              <a:t>01/07/2020</a:t>
+              <a:t>10/07/2020</a:t>
             </a:fld>
             <a:endParaRPr lang="en-GB"/>
           </a:p>
@@ -3305,7 +3305,7 @@
           <a:p>
             <a:fld id="{432668E7-1494-4367-8917-840B541A68C2}" type="datetimeFigureOut">
               <a:rPr lang="en-GB" smtClean="0"/>
-              <a:t>01/07/2020</a:t>
+              <a:t>10/07/2020</a:t>
             </a:fld>
             <a:endParaRPr lang="en-GB"/>
           </a:p>
@@ -3475,7 +3475,7 @@
           <a:p>
             <a:fld id="{432668E7-1494-4367-8917-840B541A68C2}" type="datetimeFigureOut">
               <a:rPr lang="en-GB" smtClean="0"/>
-              <a:t>01/07/2020</a:t>
+              <a:t>10/07/2020</a:t>
             </a:fld>
             <a:endParaRPr lang="en-GB"/>
           </a:p>
@@ -3645,7 +3645,7 @@
           <a:p>
             <a:fld id="{2B25DCB4-1894-45C1-AC80-BB1CC7AB7AF3}" type="datetimeFigureOut">
               <a:rPr lang="en-GB" smtClean="0"/>
-              <a:t>01/07/2020</a:t>
+              <a:t>10/07/2020</a:t>
             </a:fld>
             <a:endParaRPr lang="en-GB"/>
           </a:p>
@@ -3891,7 +3891,7 @@
           <a:p>
             <a:fld id="{432668E7-1494-4367-8917-840B541A68C2}" type="datetimeFigureOut">
               <a:rPr lang="en-GB" smtClean="0"/>
-              <a:t>01/07/2020</a:t>
+              <a:t>10/07/2020</a:t>
             </a:fld>
             <a:endParaRPr lang="en-GB"/>
           </a:p>
@@ -4123,7 +4123,7 @@
           <a:p>
             <a:fld id="{432668E7-1494-4367-8917-840B541A68C2}" type="datetimeFigureOut">
               <a:rPr lang="en-GB" smtClean="0"/>
-              <a:t>01/07/2020</a:t>
+              <a:t>10/07/2020</a:t>
             </a:fld>
             <a:endParaRPr lang="en-GB"/>
           </a:p>
@@ -4490,7 +4490,7 @@
           <a:p>
             <a:fld id="{432668E7-1494-4367-8917-840B541A68C2}" type="datetimeFigureOut">
               <a:rPr lang="en-GB" smtClean="0"/>
-              <a:t>01/07/2020</a:t>
+              <a:t>10/07/2020</a:t>
             </a:fld>
             <a:endParaRPr lang="en-GB"/>
           </a:p>
@@ -4608,7 +4608,7 @@
           <a:p>
             <a:fld id="{432668E7-1494-4367-8917-840B541A68C2}" type="datetimeFigureOut">
               <a:rPr lang="en-GB" smtClean="0"/>
-              <a:t>01/07/2020</a:t>
+              <a:t>10/07/2020</a:t>
             </a:fld>
             <a:endParaRPr lang="en-GB"/>
           </a:p>
@@ -4703,7 +4703,7 @@
           <a:p>
             <a:fld id="{432668E7-1494-4367-8917-840B541A68C2}" type="datetimeFigureOut">
               <a:rPr lang="en-GB" smtClean="0"/>
-              <a:t>01/07/2020</a:t>
+              <a:t>10/07/2020</a:t>
             </a:fld>
             <a:endParaRPr lang="en-GB"/>
           </a:p>
@@ -4980,7 +4980,7 @@
           <a:p>
             <a:fld id="{432668E7-1494-4367-8917-840B541A68C2}" type="datetimeFigureOut">
               <a:rPr lang="en-GB" smtClean="0"/>
-              <a:t>01/07/2020</a:t>
+              <a:t>10/07/2020</a:t>
             </a:fld>
             <a:endParaRPr lang="en-GB"/>
           </a:p>
@@ -5233,7 +5233,7 @@
           <a:p>
             <a:fld id="{432668E7-1494-4367-8917-840B541A68C2}" type="datetimeFigureOut">
               <a:rPr lang="en-GB" smtClean="0"/>
-              <a:t>01/07/2020</a:t>
+              <a:t>10/07/2020</a:t>
             </a:fld>
             <a:endParaRPr lang="en-GB"/>
           </a:p>
@@ -5403,7 +5403,7 @@
           <a:p>
             <a:fld id="{432668E7-1494-4367-8917-840B541A68C2}" type="datetimeFigureOut">
               <a:rPr lang="en-GB" smtClean="0"/>
-              <a:t>01/07/2020</a:t>
+              <a:t>10/07/2020</a:t>
             </a:fld>
             <a:endParaRPr lang="en-GB"/>
           </a:p>
@@ -5583,7 +5583,7 @@
           <a:p>
             <a:fld id="{432668E7-1494-4367-8917-840B541A68C2}" type="datetimeFigureOut">
               <a:rPr lang="en-GB" smtClean="0"/>
-              <a:t>01/07/2020</a:t>
+              <a:t>10/07/2020</a:t>
             </a:fld>
             <a:endParaRPr lang="en-GB"/>
           </a:p>
@@ -6209,7 +6209,7 @@
           <a:p>
             <a:fld id="{2B25DCB4-1894-45C1-AC80-BB1CC7AB7AF3}" type="datetimeFigureOut">
               <a:rPr lang="en-GB" smtClean="0"/>
-              <a:t>01/07/2020</a:t>
+              <a:t>10/07/2020</a:t>
             </a:fld>
             <a:endParaRPr lang="en-GB"/>
           </a:p>
@@ -6445,7 +6445,7 @@
           <a:p>
             <a:fld id="{2B25DCB4-1894-45C1-AC80-BB1CC7AB7AF3}" type="datetimeFigureOut">
               <a:rPr lang="en-GB" smtClean="0"/>
-              <a:t>01/07/2020</a:t>
+              <a:t>10/07/2020</a:t>
             </a:fld>
             <a:endParaRPr lang="en-GB"/>
           </a:p>
@@ -6827,7 +6827,7 @@
           <a:p>
             <a:fld id="{2B25DCB4-1894-45C1-AC80-BB1CC7AB7AF3}" type="datetimeFigureOut">
               <a:rPr lang="en-GB" smtClean="0"/>
-              <a:t>01/07/2020</a:t>
+              <a:t>10/07/2020</a:t>
             </a:fld>
             <a:endParaRPr lang="en-GB"/>
           </a:p>
@@ -6945,7 +6945,7 @@
           <a:p>
             <a:fld id="{2B25DCB4-1894-45C1-AC80-BB1CC7AB7AF3}" type="datetimeFigureOut">
               <a:rPr lang="en-GB" smtClean="0"/>
-              <a:t>01/07/2020</a:t>
+              <a:t>10/07/2020</a:t>
             </a:fld>
             <a:endParaRPr lang="en-GB"/>
           </a:p>
@@ -7040,7 +7040,7 @@
           <a:p>
             <a:fld id="{2B25DCB4-1894-45C1-AC80-BB1CC7AB7AF3}" type="datetimeFigureOut">
               <a:rPr lang="en-GB" smtClean="0"/>
-              <a:t>01/07/2020</a:t>
+              <a:t>10/07/2020</a:t>
             </a:fld>
             <a:endParaRPr lang="en-GB"/>
           </a:p>
@@ -7295,7 +7295,7 @@
           <a:p>
             <a:fld id="{2B25DCB4-1894-45C1-AC80-BB1CC7AB7AF3}" type="datetimeFigureOut">
               <a:rPr lang="en-GB" smtClean="0"/>
-              <a:t>01/07/2020</a:t>
+              <a:t>10/07/2020</a:t>
             </a:fld>
             <a:endParaRPr lang="en-GB"/>
           </a:p>
@@ -7578,7 +7578,7 @@
           <a:p>
             <a:fld id="{2B25DCB4-1894-45C1-AC80-BB1CC7AB7AF3}" type="datetimeFigureOut">
               <a:rPr lang="en-GB" smtClean="0"/>
-              <a:t>01/07/2020</a:t>
+              <a:t>10/07/2020</a:t>
             </a:fld>
             <a:endParaRPr lang="en-GB"/>
           </a:p>
@@ -7984,7 +7984,7 @@
           <a:p>
             <a:fld id="{2B25DCB4-1894-45C1-AC80-BB1CC7AB7AF3}" type="datetimeFigureOut">
               <a:rPr lang="en-GB" smtClean="0"/>
-              <a:t>01/07/2020</a:t>
+              <a:t>10/07/2020</a:t>
             </a:fld>
             <a:endParaRPr lang="en-GB"/>
           </a:p>
@@ -8654,7 +8654,7 @@
           <a:p>
             <a:fld id="{432668E7-1494-4367-8917-840B541A68C2}" type="datetimeFigureOut">
               <a:rPr lang="en-GB" smtClean="0"/>
-              <a:t>01/07/2020</a:t>
+              <a:t>10/07/2020</a:t>
             </a:fld>
             <a:endParaRPr lang="en-GB"/>
           </a:p>
@@ -11619,7 +11619,7 @@
             <a:p>
               <a:r>
                 <a:rPr lang="en-US" b="1" dirty="0"/>
-                <a:t>RC2 (v1.0-alpha)</a:t>
+                <a:t>RC2 (v4.0-alpha)</a:t>
               </a:r>
             </a:p>
           </p:txBody>
@@ -11730,7 +11730,7 @@
             <a:p>
               <a:r>
                 <a:rPr lang="en-US" b="1" dirty="0"/>
-                <a:t>RI 2 (v1.0-alpha)</a:t>
+                <a:t>RI 2 (v4.0-alpha)</a:t>
               </a:r>
             </a:p>
           </p:txBody>
@@ -12974,11 +12974,6 @@
 
 <file path=customXml/item1.xml><?xml version="1.0" encoding="utf-8"?>
 <?mso-contentType ?>
-<spe:Receivers xmlns:spe="http://schemas.microsoft.com/sharepoint/events"/>
-</file>
-
-<file path=customXml/item2.xml><?xml version="1.0" encoding="utf-8"?>
-<?mso-contentType ?>
 <FormTemplates xmlns="http://schemas.microsoft.com/sharepoint/v3/contenttype/forms">
   <Display>DocumentLibraryForm</Display>
   <Edit>DocumentLibraryForm</Edit>
@@ -12986,9 +12981,17 @@
 </FormTemplates>
 </file>
 
+<file path=customXml/item2.xml><?xml version="1.0" encoding="utf-8"?>
+<?mso-contentType ?>
+<spe:Receivers xmlns:spe="http://schemas.microsoft.com/sharepoint/events"/>
+</file>
+
 <file path=customXml/item3.xml><?xml version="1.0" encoding="utf-8"?>
-<?mso-contentType ?>
-<SharedContentType xmlns="Microsoft.SharePoint.Taxonomy.ContentTypeSync" SourceId="34c87397-5fc1-491e-85e7-d6110dbe9cbd" ContentTypeId="0x0101" PreviousValue="false"/>
+<p:properties xmlns:p="http://schemas.microsoft.com/office/2006/metadata/properties" xmlns:xsi="http://www.w3.org/2001/XMLSchema-instance" xmlns:pc="http://schemas.microsoft.com/office/infopath/2007/PartnerControls">
+  <documentManagement>
+    <HideFromDelve xmlns="71c5aaf6-e6ce-465b-b873-5148d2a4c105">false</HideFromDelve>
+  </documentManagement>
+</p:properties>
 </file>
 
 <file path=customXml/item4.xml><?xml version="1.0" encoding="utf-8"?>
@@ -13251,14 +13254,19 @@
 </file>
 
 <file path=customXml/item5.xml><?xml version="1.0" encoding="utf-8"?>
-<p:properties xmlns:p="http://schemas.microsoft.com/office/2006/metadata/properties" xmlns:xsi="http://www.w3.org/2001/XMLSchema-instance" xmlns:pc="http://schemas.microsoft.com/office/infopath/2007/PartnerControls">
-  <documentManagement>
-    <HideFromDelve xmlns="71c5aaf6-e6ce-465b-b873-5148d2a4c105">false</HideFromDelve>
-  </documentManagement>
-</p:properties>
+<?mso-contentType ?>
+<SharedContentType xmlns="Microsoft.SharePoint.Taxonomy.ContentTypeSync" SourceId="34c87397-5fc1-491e-85e7-d6110dbe9cbd" ContentTypeId="0x0101" PreviousValue="false"/>
 </file>
 
 <file path=customXml/itemProps1.xml><?xml version="1.0" encoding="utf-8"?>
+<ds:datastoreItem xmlns:ds="http://schemas.openxmlformats.org/officeDocument/2006/customXml" ds:itemID="{8BC17643-53A5-405A-B9B1-87CE5FC88437}">
+  <ds:schemaRefs>
+    <ds:schemaRef ds:uri="http://schemas.microsoft.com/sharepoint/v3/contenttype/forms"/>
+  </ds:schemaRefs>
+</ds:datastoreItem>
+</file>
+
+<file path=customXml/itemProps2.xml><?xml version="1.0" encoding="utf-8"?>
 <ds:datastoreItem xmlns:ds="http://schemas.openxmlformats.org/officeDocument/2006/customXml" ds:itemID="{97A23D90-2540-4E36-96F5-8450B78BA858}">
   <ds:schemaRefs>
     <ds:schemaRef ds:uri="http://schemas.microsoft.com/sharepoint/events"/>
@@ -13266,18 +13274,20 @@
 </ds:datastoreItem>
 </file>
 
-<file path=customXml/itemProps2.xml><?xml version="1.0" encoding="utf-8"?>
-<ds:datastoreItem xmlns:ds="http://schemas.openxmlformats.org/officeDocument/2006/customXml" ds:itemID="{8BC17643-53A5-405A-B9B1-87CE5FC88437}">
+<file path=customXml/itemProps3.xml><?xml version="1.0" encoding="utf-8"?>
+<ds:datastoreItem xmlns:ds="http://schemas.openxmlformats.org/officeDocument/2006/customXml" ds:itemID="{23DFB28A-B55A-4AD1-AFE6-C17C77BA2BC6}">
   <ds:schemaRefs>
-    <ds:schemaRef ds:uri="http://schemas.microsoft.com/sharepoint/v3/contenttype/forms"/>
-  </ds:schemaRefs>
-</ds:datastoreItem>
-</file>
-
-<file path=customXml/itemProps3.xml><?xml version="1.0" encoding="utf-8"?>
-<ds:datastoreItem xmlns:ds="http://schemas.openxmlformats.org/officeDocument/2006/customXml" ds:itemID="{E360BA89-B7F5-4FB2-A74F-ECBBA0451469}">
-  <ds:schemaRefs>
-    <ds:schemaRef ds:uri="Microsoft.SharePoint.Taxonomy.ContentTypeSync"/>
+    <ds:schemaRef ds:uri="71c5aaf6-e6ce-465b-b873-5148d2a4c105"/>
+    <ds:schemaRef ds:uri="http://purl.org/dc/terms/"/>
+    <ds:schemaRef ds:uri="http://schemas.openxmlformats.org/package/2006/metadata/core-properties"/>
+    <ds:schemaRef ds:uri="http://schemas.microsoft.com/office/2006/documentManagement/types"/>
+    <ds:schemaRef ds:uri="3ff68e1f-d7e3-4b4f-a3e0-07f53f4abd0b"/>
+    <ds:schemaRef ds:uri="http://schemas.microsoft.com/office/infopath/2007/PartnerControls"/>
+    <ds:schemaRef ds:uri="http://purl.org/dc/elements/1.1/"/>
+    <ds:schemaRef ds:uri="http://schemas.microsoft.com/office/2006/metadata/properties"/>
+    <ds:schemaRef ds:uri="12bbbc51-f7e9-481b-afc6-59484cfedc35"/>
+    <ds:schemaRef ds:uri="http://www.w3.org/XML/1998/namespace"/>
+    <ds:schemaRef ds:uri="http://purl.org/dc/dcmitype/"/>
   </ds:schemaRefs>
 </ds:datastoreItem>
 </file>
@@ -13303,19 +13313,9 @@
 </file>
 
 <file path=customXml/itemProps5.xml><?xml version="1.0" encoding="utf-8"?>
-<ds:datastoreItem xmlns:ds="http://schemas.openxmlformats.org/officeDocument/2006/customXml" ds:itemID="{23DFB28A-B55A-4AD1-AFE6-C17C77BA2BC6}">
+<ds:datastoreItem xmlns:ds="http://schemas.openxmlformats.org/officeDocument/2006/customXml" ds:itemID="{E360BA89-B7F5-4FB2-A74F-ECBBA0451469}">
   <ds:schemaRefs>
-    <ds:schemaRef ds:uri="71c5aaf6-e6ce-465b-b873-5148d2a4c105"/>
-    <ds:schemaRef ds:uri="http://purl.org/dc/terms/"/>
-    <ds:schemaRef ds:uri="http://schemas.openxmlformats.org/package/2006/metadata/core-properties"/>
-    <ds:schemaRef ds:uri="http://schemas.microsoft.com/office/2006/documentManagement/types"/>
-    <ds:schemaRef ds:uri="3ff68e1f-d7e3-4b4f-a3e0-07f53f4abd0b"/>
-    <ds:schemaRef ds:uri="http://schemas.microsoft.com/office/infopath/2007/PartnerControls"/>
-    <ds:schemaRef ds:uri="http://purl.org/dc/elements/1.1/"/>
-    <ds:schemaRef ds:uri="http://schemas.microsoft.com/office/2006/metadata/properties"/>
-    <ds:schemaRef ds:uri="12bbbc51-f7e9-481b-afc6-59484cfedc35"/>
-    <ds:schemaRef ds:uri="http://www.w3.org/XML/1998/namespace"/>
-    <ds:schemaRef ds:uri="http://purl.org/dc/dcmitype/"/>
+    <ds:schemaRef ds:uri="Microsoft.SharePoint.Taxonomy.ContentTypeSync"/>
   </ds:schemaRefs>
 </ds:datastoreItem>
 </file>